--- a/KCD2020_Tidyverse.pptx
+++ b/KCD2020_Tidyverse.pptx
@@ -7,26 +7,27 @@
   <p:sldIdLst>
     <p:sldId id="259" r:id="rId2"/>
     <p:sldId id="261" r:id="rId3"/>
+    <p:sldId id="262" r:id="rId4"/>
   </p:sldIdLst>
   <p:sldSz cx="12192000" cy="6858000"/>
   <p:notesSz cx="6858000" cy="9144000"/>
   <p:embeddedFontLst>
     <p:embeddedFont>
-      <p:font typeface="맑은 고딕" pitchFamily="50" charset="-127"/>
-      <p:regular r:id="rId4"/>
+      <p:font typeface="KoPubWorld돋움체 Bold" pitchFamily="2" charset="-127"/>
       <p:bold r:id="rId5"/>
     </p:embeddedFont>
     <p:embeddedFont>
-      <p:font typeface="KoPubWorld돋움체 Bold" pitchFamily="2" charset="-127"/>
-      <p:bold r:id="rId6"/>
+      <p:font typeface="맑은 고딕" pitchFamily="50" charset="-127"/>
+      <p:regular r:id="rId6"/>
+      <p:bold r:id="rId7"/>
     </p:embeddedFont>
     <p:embeddedFont>
       <p:font typeface="KoPub돋움체 Bold" charset="-127"/>
-      <p:bold r:id="rId7"/>
+      <p:bold r:id="rId8"/>
     </p:embeddedFont>
     <p:embeddedFont>
       <p:font typeface="KoPubWorld돋움체 Medium" pitchFamily="2" charset="-127"/>
-      <p:regular r:id="rId8"/>
+      <p:regular r:id="rId9"/>
     </p:embeddedFont>
   </p:embeddedFontLst>
   <p:defaultTextStyle>
@@ -126,7 +127,7 @@
   </p:defaultTextStyle>
   <p:extLst>
     <p:ext uri="{EFAFB233-063F-42B5-8137-9DF3F51BA10A}">
-      <p15:sldGuideLst xmlns:p15="http://schemas.microsoft.com/office/powerpoint/2012/main" xmlns=""/>
+      <p15:sldGuideLst xmlns="" xmlns:p15="http://schemas.microsoft.com/office/powerpoint/2012/main"/>
     </p:ext>
   </p:extLst>
 </p:presentation>
@@ -154,7 +155,7 @@
           <p:cNvPr id="7" name="그림 6">
             <a:extLst>
               <a:ext uri="{FF2B5EF4-FFF2-40B4-BE49-F238E27FC236}">
-                <a16:creationId xmlns="" xmlns:a16="http://schemas.microsoft.com/office/drawing/2014/main" id="{F2E55BC8-9294-4FF0-B20D-F96993958713}"/>
+                <a16:creationId xmlns:a16="http://schemas.microsoft.com/office/drawing/2014/main" xmlns="" id="{F2E55BC8-9294-4FF0-B20D-F96993958713}"/>
               </a:ext>
             </a:extLst>
           </p:cNvPr>
@@ -190,7 +191,7 @@
           <p:cNvPr id="9" name="사각형: 둥근 모서리 8">
             <a:extLst>
               <a:ext uri="{FF2B5EF4-FFF2-40B4-BE49-F238E27FC236}">
-                <a16:creationId xmlns="" xmlns:a16="http://schemas.microsoft.com/office/drawing/2014/main" id="{521F20B7-F529-4133-A12A-B9B26F0D6279}"/>
+                <a16:creationId xmlns:a16="http://schemas.microsoft.com/office/drawing/2014/main" xmlns="" id="{521F20B7-F529-4133-A12A-B9B26F0D6279}"/>
               </a:ext>
             </a:extLst>
           </p:cNvPr>
@@ -274,7 +275,7 @@
           <p:cNvPr id="7" name="그림 6">
             <a:extLst>
               <a:ext uri="{FF2B5EF4-FFF2-40B4-BE49-F238E27FC236}">
-                <a16:creationId xmlns="" xmlns:a16="http://schemas.microsoft.com/office/drawing/2014/main" id="{6E7DC4B8-D803-48D1-9136-37E76D21F83D}"/>
+                <a16:creationId xmlns:a16="http://schemas.microsoft.com/office/drawing/2014/main" xmlns="" id="{6E7DC4B8-D803-48D1-9136-37E76D21F83D}"/>
               </a:ext>
             </a:extLst>
           </p:cNvPr>
@@ -433,7 +434,7 @@
           <p:cNvPr id="2" name="제목 개체 틀 1">
             <a:extLst>
               <a:ext uri="{FF2B5EF4-FFF2-40B4-BE49-F238E27FC236}">
-                <a16:creationId xmlns:a16="http://schemas.microsoft.com/office/drawing/2014/main" xmlns="" id="{5A2A2954-5F34-4FA2-8741-E01F741160CB}"/>
+                <a16:creationId xmlns="" xmlns:a16="http://schemas.microsoft.com/office/drawing/2014/main" id="{5A2A2954-5F34-4FA2-8741-E01F741160CB}"/>
               </a:ext>
             </a:extLst>
           </p:cNvPr>
@@ -471,7 +472,7 @@
           <p:cNvPr id="3" name="텍스트 개체 틀 2">
             <a:extLst>
               <a:ext uri="{FF2B5EF4-FFF2-40B4-BE49-F238E27FC236}">
-                <a16:creationId xmlns:a16="http://schemas.microsoft.com/office/drawing/2014/main" xmlns="" id="{7B959A08-0BFA-42D1-8E44-B4F8C5C525D7}"/>
+                <a16:creationId xmlns="" xmlns:a16="http://schemas.microsoft.com/office/drawing/2014/main" id="{7B959A08-0BFA-42D1-8E44-B4F8C5C525D7}"/>
               </a:ext>
             </a:extLst>
           </p:cNvPr>
@@ -538,7 +539,7 @@
           <p:cNvPr id="4" name="날짜 개체 틀 3">
             <a:extLst>
               <a:ext uri="{FF2B5EF4-FFF2-40B4-BE49-F238E27FC236}">
-                <a16:creationId xmlns:a16="http://schemas.microsoft.com/office/drawing/2014/main" xmlns="" id="{A2B04544-FE29-4180-93D6-CB3BD55DE0E8}"/>
+                <a16:creationId xmlns="" xmlns:a16="http://schemas.microsoft.com/office/drawing/2014/main" id="{A2B04544-FE29-4180-93D6-CB3BD55DE0E8}"/>
               </a:ext>
             </a:extLst>
           </p:cNvPr>
@@ -575,7 +576,7 @@
             <a:fld id="{577707BE-56AB-4936-BCDF-C5EB2D70F9BB}" type="datetimeFigureOut">
               <a:rPr lang="ko-KR" altLang="en-US" smtClean="0"/>
               <a:pPr/>
-              <a:t>2020-09-29</a:t>
+              <a:t>2020-09-30</a:t>
             </a:fld>
             <a:endParaRPr lang="ko-KR" altLang="en-US"/>
           </a:p>
@@ -586,7 +587,7 @@
           <p:cNvPr id="5" name="바닥글 개체 틀 4">
             <a:extLst>
               <a:ext uri="{FF2B5EF4-FFF2-40B4-BE49-F238E27FC236}">
-                <a16:creationId xmlns:a16="http://schemas.microsoft.com/office/drawing/2014/main" xmlns="" id="{BB21471B-1CC6-4BBC-974E-5F3BD773AA89}"/>
+                <a16:creationId xmlns="" xmlns:a16="http://schemas.microsoft.com/office/drawing/2014/main" id="{BB21471B-1CC6-4BBC-974E-5F3BD773AA89}"/>
               </a:ext>
             </a:extLst>
           </p:cNvPr>
@@ -629,7 +630,7 @@
           <p:cNvPr id="6" name="슬라이드 번호 개체 틀 5">
             <a:extLst>
               <a:ext uri="{FF2B5EF4-FFF2-40B4-BE49-F238E27FC236}">
-                <a16:creationId xmlns:a16="http://schemas.microsoft.com/office/drawing/2014/main" xmlns="" id="{E4BD66EF-BCDC-4D4A-A916-7D2C9F44B197}"/>
+                <a16:creationId xmlns="" xmlns:a16="http://schemas.microsoft.com/office/drawing/2014/main" id="{E4BD66EF-BCDC-4D4A-A916-7D2C9F44B197}"/>
               </a:ext>
             </a:extLst>
           </p:cNvPr>
@@ -989,7 +990,7 @@
           <p:cNvPr id="6" name="그림 5">
             <a:extLst>
               <a:ext uri="{FF2B5EF4-FFF2-40B4-BE49-F238E27FC236}">
-                <a16:creationId xmlns:a16="http://schemas.microsoft.com/office/drawing/2014/main" xmlns="" id="{F2E55BC8-9294-4FF0-B20D-F96993958713}"/>
+                <a16:creationId xmlns="" xmlns:a16="http://schemas.microsoft.com/office/drawing/2014/main" id="{F2E55BC8-9294-4FF0-B20D-F96993958713}"/>
               </a:ext>
             </a:extLst>
           </p:cNvPr>
@@ -1025,7 +1026,7 @@
           <p:cNvPr id="8" name="TextBox 7">
             <a:extLst>
               <a:ext uri="{FF2B5EF4-FFF2-40B4-BE49-F238E27FC236}">
-                <a16:creationId xmlns:a16="http://schemas.microsoft.com/office/drawing/2014/main" xmlns="" id="{F7ED2D49-B00C-43E2-92D2-EF116D0417CD}"/>
+                <a16:creationId xmlns="" xmlns:a16="http://schemas.microsoft.com/office/drawing/2014/main" id="{F7ED2D49-B00C-43E2-92D2-EF116D0417CD}"/>
               </a:ext>
             </a:extLst>
           </p:cNvPr>
@@ -1142,7 +1143,7 @@
           <p:cNvPr id="9" name="사각형: 둥근 모서리 8">
             <a:extLst>
               <a:ext uri="{FF2B5EF4-FFF2-40B4-BE49-F238E27FC236}">
-                <a16:creationId xmlns:a16="http://schemas.microsoft.com/office/drawing/2014/main" xmlns="" id="{521F20B7-F529-4133-A12A-B9B26F0D6279}"/>
+                <a16:creationId xmlns="" xmlns:a16="http://schemas.microsoft.com/office/drawing/2014/main" id="{521F20B7-F529-4133-A12A-B9B26F0D6279}"/>
               </a:ext>
             </a:extLst>
           </p:cNvPr>
@@ -1196,7 +1197,7 @@
           <p:cNvPr id="11" name="TextBox 10">
             <a:extLst>
               <a:ext uri="{FF2B5EF4-FFF2-40B4-BE49-F238E27FC236}">
-                <a16:creationId xmlns:a16="http://schemas.microsoft.com/office/drawing/2014/main" xmlns="" id="{23FBE4FB-5981-49E9-86E1-A36469E1917A}"/>
+                <a16:creationId xmlns="" xmlns:a16="http://schemas.microsoft.com/office/drawing/2014/main" id="{23FBE4FB-5981-49E9-86E1-A36469E1917A}"/>
               </a:ext>
             </a:extLst>
           </p:cNvPr>
@@ -1251,18 +1252,7 @@
                 <a:ea typeface="KoPubWorld돋움체 Bold" pitchFamily="2" charset="-127"/>
                 <a:cs typeface="KoPubWorld돋움체 Bold" pitchFamily="2" charset="-127"/>
               </a:rPr>
-              <a:t> </a:t>
-            </a:r>
-            <a:r>
-              <a:rPr lang="ko-KR" altLang="en-US" sz="1600" dirty="0" smtClean="0">
-                <a:solidFill>
-                  <a:srgbClr val="65B8A9"/>
-                </a:solidFill>
-                <a:latin typeface="KoPubWorld돋움체 Bold" pitchFamily="2" charset="-127"/>
-                <a:ea typeface="KoPubWorld돋움체 Bold" pitchFamily="2" charset="-127"/>
-                <a:cs typeface="KoPubWorld돋움체 Bold" pitchFamily="2" charset="-127"/>
-              </a:rPr>
-              <a:t>이광춘</a:t>
+              <a:t> 이광춘</a:t>
             </a:r>
             <a:endParaRPr lang="ko-KR" altLang="en-US" sz="1600" dirty="0">
               <a:solidFill>
@@ -1316,6 +1306,101 @@
     <p:extLst>
       <p:ext uri="{BB962C8B-B14F-4D97-AF65-F5344CB8AC3E}">
         <p14:creationId xmlns:p14="http://schemas.microsoft.com/office/powerpoint/2010/main" val="4108496740"/>
+      </p:ext>
+    </p:extLst>
+  </p:cSld>
+  <p:clrMapOvr>
+    <a:masterClrMapping/>
+  </p:clrMapOvr>
+</p:sld>
+</file>
+
+<file path=ppt/slides/slide3.xml><?xml version="1.0" encoding="utf-8"?>
+<p:sld xmlns:a="http://schemas.openxmlformats.org/drawingml/2006/main" xmlns:r="http://schemas.openxmlformats.org/officeDocument/2006/relationships" xmlns:p="http://schemas.openxmlformats.org/presentationml/2006/main">
+  <p:cSld>
+    <p:spTree>
+      <p:nvGrpSpPr>
+        <p:cNvPr id="1" name=""/>
+        <p:cNvGrpSpPr/>
+        <p:nvPr/>
+      </p:nvGrpSpPr>
+      <p:grpSpPr>
+        <a:xfrm>
+          <a:off x="0" y="0"/>
+          <a:ext cx="0" cy="0"/>
+          <a:chOff x="0" y="0"/>
+          <a:chExt cx="0" cy="0"/>
+        </a:xfrm>
+      </p:grpSpPr>
+      <p:pic>
+        <p:nvPicPr>
+          <p:cNvPr id="2" name="그림 1">
+            <a:extLst>
+              <a:ext uri="{FF2B5EF4-FFF2-40B4-BE49-F238E27FC236}">
+                <a16:creationId xmlns="" xmlns:a16="http://schemas.microsoft.com/office/drawing/2014/main" id="{F2E55BC8-9294-4FF0-B20D-F96993958713}"/>
+              </a:ext>
+            </a:extLst>
+          </p:cNvPr>
+          <p:cNvPicPr>
+            <a:picLocks noChangeAspect="1"/>
+          </p:cNvPicPr>
+          <p:nvPr/>
+        </p:nvPicPr>
+        <p:blipFill rotWithShape="1">
+          <a:blip r:embed="rId2" cstate="print">
+            <a:extLst>
+              <a:ext uri="{28A0092B-C50C-407E-A947-70E740481C1C}">
+                <a14:useLocalDpi xmlns:a14="http://schemas.microsoft.com/office/drawing/2010/main" val="0"/>
+              </a:ext>
+            </a:extLst>
+          </a:blip>
+          <a:srcRect l="6755" t="19219" r="6687" b="6546"/>
+          <a:stretch/>
+        </p:blipFill>
+        <p:spPr>
+          <a:xfrm>
+            <a:off x="2838695" y="2290119"/>
+            <a:ext cx="6522848" cy="3146854"/>
+          </a:xfrm>
+          <a:prstGeom prst="rect">
+            <a:avLst/>
+          </a:prstGeom>
+          <a:solidFill>
+            <a:srgbClr val="FFFFFF">
+              <a:shade val="85000"/>
+            </a:srgbClr>
+          </a:solidFill>
+          <a:ln w="88900" cap="sq">
+            <a:solidFill>
+              <a:srgbClr val="FFFFFF"/>
+            </a:solidFill>
+            <a:miter lim="800000"/>
+          </a:ln>
+          <a:effectLst>
+            <a:outerShdw blurRad="55000" dist="18000" dir="5400000" algn="tl" rotWithShape="0">
+              <a:srgbClr val="000000">
+                <a:alpha val="40000"/>
+              </a:srgbClr>
+            </a:outerShdw>
+          </a:effectLst>
+          <a:scene3d>
+            <a:camera prst="orthographicFront"/>
+            <a:lightRig rig="twoPt" dir="t">
+              <a:rot lat="0" lon="0" rev="7200000"/>
+            </a:lightRig>
+          </a:scene3d>
+          <a:sp3d>
+            <a:bevelT w="25400" h="19050"/>
+            <a:contourClr>
+              <a:srgbClr val="FFFFFF"/>
+            </a:contourClr>
+          </a:sp3d>
+        </p:spPr>
+      </p:pic>
+    </p:spTree>
+    <p:extLst>
+      <p:ext uri="{BB962C8B-B14F-4D97-AF65-F5344CB8AC3E}">
+        <p14:creationId xmlns:p14="http://schemas.microsoft.com/office/powerpoint/2010/main" val="1992457309"/>
       </p:ext>
     </p:extLst>
   </p:cSld>
@@ -1614,7 +1699,7 @@
   <a:extraClrSchemeLst/>
   <a:extLst>
     <a:ext uri="{05A4C25C-085E-4340-85A3-A5531E510DB2}">
-      <thm15:themeFamily xmlns:thm15="http://schemas.microsoft.com/office/thememl/2012/main" xmlns="" name="Office Theme" id="{62F939B6-93AF-4DB8-9C6B-D6C7DFDC589F}" vid="{4A3C46E8-61CC-4603-A589-7422A47A8E4A}"/>
+      <thm15:themeFamily xmlns="" xmlns:thm15="http://schemas.microsoft.com/office/thememl/2012/main" name="Office Theme" id="{62F939B6-93AF-4DB8-9C6B-D6C7DFDC589F}" vid="{4A3C46E8-61CC-4603-A589-7422A47A8E4A}"/>
     </a:ext>
   </a:extLst>
 </a:theme>
